--- a/Praesentation.pptx
+++ b/Praesentation.pptx
@@ -134,7 +134,7 @@
   <pc:docChgLst>
     <pc:chgData name="Patrick Stettler" userId="cf185d19bd73d680" providerId="LiveId" clId="{91F157B7-7525-436A-9A67-1A6145DAB6DA}"/>
     <pc:docChg chg="undo custSel addSld modSld sldOrd">
-      <pc:chgData name="Patrick Stettler" userId="cf185d19bd73d680" providerId="LiveId" clId="{91F157B7-7525-436A-9A67-1A6145DAB6DA}" dt="2025-03-28T21:40:55.769" v="993" actId="14826"/>
+      <pc:chgData name="Patrick Stettler" userId="cf185d19bd73d680" providerId="LiveId" clId="{91F157B7-7525-436A-9A67-1A6145DAB6DA}" dt="2025-03-31T15:31:17.433" v="1135" actId="207"/>
       <pc:docMkLst>
         <pc:docMk/>
       </pc:docMkLst>
@@ -198,38 +198,6 @@
             <ac:spMk id="2" creationId="{B7E70CB3-573D-7E5D-7C55-6CF43B4DCA7D}"/>
           </ac:spMkLst>
         </pc:spChg>
-        <pc:spChg chg="del">
-          <ac:chgData name="Patrick Stettler" userId="cf185d19bd73d680" providerId="LiveId" clId="{91F157B7-7525-436A-9A67-1A6145DAB6DA}" dt="2025-03-28T21:26:18.953" v="801" actId="478"/>
-          <ac:spMkLst>
-            <pc:docMk/>
-            <pc:sldMk cId="2335721945" sldId="259"/>
-            <ac:spMk id="3" creationId="{FAA1C736-8A7A-F791-A743-CDAA7AFE1DFD}"/>
-          </ac:spMkLst>
-        </pc:spChg>
-        <pc:spChg chg="add del mod">
-          <ac:chgData name="Patrick Stettler" userId="cf185d19bd73d680" providerId="LiveId" clId="{91F157B7-7525-436A-9A67-1A6145DAB6DA}" dt="2025-03-28T21:26:19.548" v="802"/>
-          <ac:spMkLst>
-            <pc:docMk/>
-            <pc:sldMk cId="2335721945" sldId="259"/>
-            <ac:spMk id="5" creationId="{061AFCA4-B6CB-791E-0318-9D6C29BD799E}"/>
-          </ac:spMkLst>
-        </pc:spChg>
-        <pc:spChg chg="add del mod">
-          <ac:chgData name="Patrick Stettler" userId="cf185d19bd73d680" providerId="LiveId" clId="{91F157B7-7525-436A-9A67-1A6145DAB6DA}" dt="2025-03-28T21:31:13.956" v="815"/>
-          <ac:spMkLst>
-            <pc:docMk/>
-            <pc:sldMk cId="2335721945" sldId="259"/>
-            <ac:spMk id="9" creationId="{6C9D99A8-62FF-27A5-5708-5738C80C6A91}"/>
-          </ac:spMkLst>
-        </pc:spChg>
-        <pc:picChg chg="add del mod modCrop">
-          <ac:chgData name="Patrick Stettler" userId="cf185d19bd73d680" providerId="LiveId" clId="{91F157B7-7525-436A-9A67-1A6145DAB6DA}" dt="2025-03-28T21:31:11.128" v="814" actId="478"/>
-          <ac:picMkLst>
-            <pc:docMk/>
-            <pc:sldMk cId="2335721945" sldId="259"/>
-            <ac:picMk id="7" creationId="{99065EBA-4BE9-6DDF-CC38-7D02E905337B}"/>
-          </ac:picMkLst>
-        </pc:picChg>
         <pc:picChg chg="add mod">
           <ac:chgData name="Patrick Stettler" userId="cf185d19bd73d680" providerId="LiveId" clId="{91F157B7-7525-436A-9A67-1A6145DAB6DA}" dt="2025-03-28T21:40:55.769" v="993" actId="14826"/>
           <ac:picMkLst>
@@ -255,13 +223,13 @@
         </pc:spChg>
       </pc:sldChg>
       <pc:sldChg chg="modSp mod ord">
-        <pc:chgData name="Patrick Stettler" userId="cf185d19bd73d680" providerId="LiveId" clId="{91F157B7-7525-436A-9A67-1A6145DAB6DA}" dt="2025-03-28T21:40:15.853" v="992" actId="207"/>
+        <pc:chgData name="Patrick Stettler" userId="cf185d19bd73d680" providerId="LiveId" clId="{91F157B7-7525-436A-9A67-1A6145DAB6DA}" dt="2025-03-31T15:31:17.433" v="1135" actId="207"/>
         <pc:sldMkLst>
           <pc:docMk/>
           <pc:sldMk cId="1650538910" sldId="261"/>
         </pc:sldMkLst>
         <pc:spChg chg="mod">
-          <ac:chgData name="Patrick Stettler" userId="cf185d19bd73d680" providerId="LiveId" clId="{91F157B7-7525-436A-9A67-1A6145DAB6DA}" dt="2025-03-28T21:40:15.853" v="992" actId="207"/>
+          <ac:chgData name="Patrick Stettler" userId="cf185d19bd73d680" providerId="LiveId" clId="{91F157B7-7525-436A-9A67-1A6145DAB6DA}" dt="2025-03-31T15:31:04.382" v="1134" actId="207"/>
           <ac:spMkLst>
             <pc:docMk/>
             <pc:sldMk cId="1650538910" sldId="261"/>
@@ -269,7 +237,7 @@
           </ac:spMkLst>
         </pc:spChg>
         <pc:spChg chg="mod">
-          <ac:chgData name="Patrick Stettler" userId="cf185d19bd73d680" providerId="LiveId" clId="{91F157B7-7525-436A-9A67-1A6145DAB6DA}" dt="2025-03-28T21:22:34.332" v="744" actId="207"/>
+          <ac:chgData name="Patrick Stettler" userId="cf185d19bd73d680" providerId="LiveId" clId="{91F157B7-7525-436A-9A67-1A6145DAB6DA}" dt="2025-03-31T15:31:17.433" v="1135" actId="207"/>
           <ac:spMkLst>
             <pc:docMk/>
             <pc:sldMk cId="1650538910" sldId="261"/>
@@ -278,7 +246,7 @@
         </pc:spChg>
       </pc:sldChg>
       <pc:sldChg chg="addSp delSp modSp new mod ord modClrScheme chgLayout">
-        <pc:chgData name="Patrick Stettler" userId="cf185d19bd73d680" providerId="LiveId" clId="{91F157B7-7525-436A-9A67-1A6145DAB6DA}" dt="2025-03-28T21:34:03.592" v="863" actId="14100"/>
+        <pc:chgData name="Patrick Stettler" userId="cf185d19bd73d680" providerId="LiveId" clId="{91F157B7-7525-436A-9A67-1A6145DAB6DA}" dt="2025-03-31T15:30:39.298" v="1129" actId="20577"/>
         <pc:sldMkLst>
           <pc:docMk/>
           <pc:sldMk cId="980804465" sldId="264"/>
@@ -291,30 +259,6 @@
             <ac:spMk id="2" creationId="{99805B5F-BEC0-3D8A-6949-3AFD2B9CEF35}"/>
           </ac:spMkLst>
         </pc:spChg>
-        <pc:spChg chg="del mod ord">
-          <ac:chgData name="Patrick Stettler" userId="cf185d19bd73d680" providerId="LiveId" clId="{91F157B7-7525-436A-9A67-1A6145DAB6DA}" dt="2025-03-28T20:53:55.705" v="11" actId="700"/>
-          <ac:spMkLst>
-            <pc:docMk/>
-            <pc:sldMk cId="980804465" sldId="264"/>
-            <ac:spMk id="3" creationId="{813FBE07-F892-D8C6-C4B0-861405C1D152}"/>
-          </ac:spMkLst>
-        </pc:spChg>
-        <pc:spChg chg="add del mod ord">
-          <ac:chgData name="Patrick Stettler" userId="cf185d19bd73d680" providerId="LiveId" clId="{91F157B7-7525-436A-9A67-1A6145DAB6DA}" dt="2025-03-28T20:59:25.986" v="262" actId="478"/>
-          <ac:spMkLst>
-            <pc:docMk/>
-            <pc:sldMk cId="980804465" sldId="264"/>
-            <ac:spMk id="4" creationId="{F1CF074F-6D7D-E5D5-BAD8-ED82D1A3E6D3}"/>
-          </ac:spMkLst>
-        </pc:spChg>
-        <pc:spChg chg="add del mod ord">
-          <ac:chgData name="Patrick Stettler" userId="cf185d19bd73d680" providerId="LiveId" clId="{91F157B7-7525-436A-9A67-1A6145DAB6DA}" dt="2025-03-28T20:59:37.652" v="267" actId="478"/>
-          <ac:spMkLst>
-            <pc:docMk/>
-            <pc:sldMk cId="980804465" sldId="264"/>
-            <ac:spMk id="5" creationId="{84612481-A215-FBDD-98A6-F60D86C8F651}"/>
-          </ac:spMkLst>
-        </pc:spChg>
         <pc:spChg chg="add mod">
           <ac:chgData name="Patrick Stettler" userId="cf185d19bd73d680" providerId="LiveId" clId="{91F157B7-7525-436A-9A67-1A6145DAB6DA}" dt="2025-03-28T21:34:03.592" v="863" actId="14100"/>
           <ac:spMkLst>
@@ -324,7 +268,7 @@
           </ac:spMkLst>
         </pc:spChg>
         <pc:spChg chg="add mod">
-          <ac:chgData name="Patrick Stettler" userId="cf185d19bd73d680" providerId="LiveId" clId="{91F157B7-7525-436A-9A67-1A6145DAB6DA}" dt="2025-03-28T21:33:59.873" v="860" actId="14100"/>
+          <ac:chgData name="Patrick Stettler" userId="cf185d19bd73d680" providerId="LiveId" clId="{91F157B7-7525-436A-9A67-1A6145DAB6DA}" dt="2025-03-31T15:30:39.298" v="1129" actId="20577"/>
           <ac:spMkLst>
             <pc:docMk/>
             <pc:sldMk cId="980804465" sldId="264"/>
@@ -333,7 +277,7 @@
         </pc:spChg>
       </pc:sldChg>
       <pc:sldChg chg="modSp add mod ord">
-        <pc:chgData name="Patrick Stettler" userId="cf185d19bd73d680" providerId="LiveId" clId="{91F157B7-7525-436A-9A67-1A6145DAB6DA}" dt="2025-03-28T21:37:39.285" v="967" actId="14100"/>
+        <pc:chgData name="Patrick Stettler" userId="cf185d19bd73d680" providerId="LiveId" clId="{91F157B7-7525-436A-9A67-1A6145DAB6DA}" dt="2025-03-31T15:28:26.094" v="1076" actId="20577"/>
         <pc:sldMkLst>
           <pc:docMk/>
           <pc:sldMk cId="2592443422" sldId="265"/>
@@ -355,7 +299,7 @@
           </ac:spMkLst>
         </pc:spChg>
         <pc:spChg chg="mod">
-          <ac:chgData name="Patrick Stettler" userId="cf185d19bd73d680" providerId="LiveId" clId="{91F157B7-7525-436A-9A67-1A6145DAB6DA}" dt="2025-03-28T21:36:53.733" v="936" actId="20577"/>
+          <ac:chgData name="Patrick Stettler" userId="cf185d19bd73d680" providerId="LiveId" clId="{91F157B7-7525-436A-9A67-1A6145DAB6DA}" dt="2025-03-31T15:28:26.094" v="1076" actId="20577"/>
           <ac:spMkLst>
             <pc:docMk/>
             <pc:sldMk cId="2592443422" sldId="265"/>
@@ -771,7 +715,7 @@
           <a:p>
             <a:fld id="{D23868D3-E145-4E47-8E66-2F0A1EAA203F}" type="datetimeFigureOut">
               <a:rPr lang="de-CH" smtClean="0"/>
-              <a:t>28.03.2025</a:t>
+              <a:t>31.03.2025</a:t>
             </a:fld>
             <a:endParaRPr lang="de-CH"/>
           </a:p>
@@ -950,7 +894,7 @@
           <a:p>
             <a:fld id="{D23868D3-E145-4E47-8E66-2F0A1EAA203F}" type="datetimeFigureOut">
               <a:rPr lang="de-CH" smtClean="0"/>
-              <a:t>28.03.2025</a:t>
+              <a:t>31.03.2025</a:t>
             </a:fld>
             <a:endParaRPr lang="de-CH"/>
           </a:p>
@@ -1130,7 +1074,7 @@
           <a:p>
             <a:fld id="{D23868D3-E145-4E47-8E66-2F0A1EAA203F}" type="datetimeFigureOut">
               <a:rPr lang="de-CH" smtClean="0"/>
-              <a:t>28.03.2025</a:t>
+              <a:t>31.03.2025</a:t>
             </a:fld>
             <a:endParaRPr lang="de-CH"/>
           </a:p>
@@ -1300,7 +1244,7 @@
           <a:p>
             <a:fld id="{D23868D3-E145-4E47-8E66-2F0A1EAA203F}" type="datetimeFigureOut">
               <a:rPr lang="de-CH" smtClean="0"/>
-              <a:t>28.03.2025</a:t>
+              <a:t>31.03.2025</a:t>
             </a:fld>
             <a:endParaRPr lang="de-CH"/>
           </a:p>
@@ -1613,7 +1557,7 @@
           <a:p>
             <a:fld id="{D23868D3-E145-4E47-8E66-2F0A1EAA203F}" type="datetimeFigureOut">
               <a:rPr lang="de-CH" smtClean="0"/>
-              <a:t>28.03.2025</a:t>
+              <a:t>31.03.2025</a:t>
             </a:fld>
             <a:endParaRPr lang="de-CH"/>
           </a:p>
@@ -1999,7 +1943,7 @@
           <a:p>
             <a:fld id="{D23868D3-E145-4E47-8E66-2F0A1EAA203F}" type="datetimeFigureOut">
               <a:rPr lang="de-CH" smtClean="0"/>
-              <a:t>28.03.2025</a:t>
+              <a:t>31.03.2025</a:t>
             </a:fld>
             <a:endParaRPr lang="de-CH"/>
           </a:p>
@@ -2433,7 +2377,7 @@
           <a:p>
             <a:fld id="{D23868D3-E145-4E47-8E66-2F0A1EAA203F}" type="datetimeFigureOut">
               <a:rPr lang="de-CH" smtClean="0"/>
-              <a:t>28.03.2025</a:t>
+              <a:t>31.03.2025</a:t>
             </a:fld>
             <a:endParaRPr lang="de-CH"/>
           </a:p>
@@ -2551,7 +2495,7 @@
           <a:p>
             <a:fld id="{D23868D3-E145-4E47-8E66-2F0A1EAA203F}" type="datetimeFigureOut">
               <a:rPr lang="de-CH" smtClean="0"/>
-              <a:t>28.03.2025</a:t>
+              <a:t>31.03.2025</a:t>
             </a:fld>
             <a:endParaRPr lang="de-CH"/>
           </a:p>
@@ -2646,7 +2590,7 @@
           <a:p>
             <a:fld id="{D23868D3-E145-4E47-8E66-2F0A1EAA203F}" type="datetimeFigureOut">
               <a:rPr lang="de-CH" smtClean="0"/>
-              <a:t>28.03.2025</a:t>
+              <a:t>31.03.2025</a:t>
             </a:fld>
             <a:endParaRPr lang="de-CH"/>
           </a:p>
@@ -2996,7 +2940,7 @@
           <a:p>
             <a:fld id="{D23868D3-E145-4E47-8E66-2F0A1EAA203F}" type="datetimeFigureOut">
               <a:rPr lang="de-CH" smtClean="0"/>
-              <a:t>28.03.2025</a:t>
+              <a:t>31.03.2025</a:t>
             </a:fld>
             <a:endParaRPr lang="de-CH"/>
           </a:p>
@@ -3421,7 +3365,7 @@
           <a:p>
             <a:fld id="{D23868D3-E145-4E47-8E66-2F0A1EAA203F}" type="datetimeFigureOut">
               <a:rPr lang="de-CH" smtClean="0"/>
-              <a:t>28.03.2025</a:t>
+              <a:t>31.03.2025</a:t>
             </a:fld>
             <a:endParaRPr lang="de-CH"/>
           </a:p>
@@ -3702,7 +3646,7 @@
           <a:p>
             <a:fld id="{D23868D3-E145-4E47-8E66-2F0A1EAA203F}" type="datetimeFigureOut">
               <a:rPr lang="de-CH" smtClean="0"/>
-              <a:t>28.03.2025</a:t>
+              <a:t>31.03.2025</a:t>
             </a:fld>
             <a:endParaRPr lang="de-CH"/>
           </a:p>
@@ -5850,21 +5794,21 @@
                 <a:latin typeface="Courier New" panose="02070309020205020404" pitchFamily="49" charset="0"/>
                 <a:cs typeface="Courier New" panose="02070309020205020404" pitchFamily="49" charset="0"/>
               </a:rPr>
-              <a:t>: </a:t>
+              <a:t>: 1fr </a:t>
             </a:r>
             <a:r>
               <a:rPr lang="de-CH" sz="1400" dirty="0" err="1">
                 <a:latin typeface="Courier New" panose="02070309020205020404" pitchFamily="49" charset="0"/>
                 <a:cs typeface="Courier New" panose="02070309020205020404" pitchFamily="49" charset="0"/>
               </a:rPr>
-              <a:t>repeat</a:t>
+              <a:t>1fr</a:t>
             </a:r>
             <a:r>
               <a:rPr lang="de-CH" sz="1400" dirty="0">
                 <a:latin typeface="Courier New" panose="02070309020205020404" pitchFamily="49" charset="0"/>
                 <a:cs typeface="Courier New" panose="02070309020205020404" pitchFamily="49" charset="0"/>
               </a:rPr>
-              <a:t>(2, 1fr);</a:t>
+              <a:t>;</a:t>
             </a:r>
           </a:p>
           <a:p>
@@ -5901,129 +5845,14 @@
                 <a:latin typeface="Courier New" panose="02070309020205020404" pitchFamily="49" charset="0"/>
                 <a:cs typeface="Courier New" panose="02070309020205020404" pitchFamily="49" charset="0"/>
               </a:rPr>
-              <a:t>: </a:t>
+              <a:t>: 200px </a:t>
             </a:r>
             <a:r>
               <a:rPr lang="de-CH" sz="1400" dirty="0" err="1">
                 <a:latin typeface="Courier New" panose="02070309020205020404" pitchFamily="49" charset="0"/>
                 <a:cs typeface="Courier New" panose="02070309020205020404" pitchFamily="49" charset="0"/>
               </a:rPr>
-              <a:t>repeat</a:t>
-            </a:r>
-            <a:r>
-              <a:rPr lang="de-CH" sz="1400" dirty="0">
-                <a:latin typeface="Courier New" panose="02070309020205020404" pitchFamily="49" charset="0"/>
-                <a:cs typeface="Courier New" panose="02070309020205020404" pitchFamily="49" charset="0"/>
-              </a:rPr>
-              <a:t>(2, 200px)</a:t>
-            </a:r>
-          </a:p>
-          <a:p>
-            <a:r>
-              <a:rPr lang="de-CH" sz="1400" dirty="0">
-                <a:latin typeface="Courier New" panose="02070309020205020404" pitchFamily="49" charset="0"/>
-                <a:cs typeface="Courier New" panose="02070309020205020404" pitchFamily="49" charset="0"/>
-              </a:rPr>
-              <a:t>   </a:t>
-            </a:r>
-            <a:r>
-              <a:rPr lang="de-CH" sz="1400" dirty="0" err="1">
-                <a:latin typeface="Courier New" panose="02070309020205020404" pitchFamily="49" charset="0"/>
-                <a:cs typeface="Courier New" panose="02070309020205020404" pitchFamily="49" charset="0"/>
-              </a:rPr>
-              <a:t>grid</a:t>
-            </a:r>
-            <a:r>
-              <a:rPr lang="de-CH" sz="1400" dirty="0">
-                <a:latin typeface="Courier New" panose="02070309020205020404" pitchFamily="49" charset="0"/>
-                <a:cs typeface="Courier New" panose="02070309020205020404" pitchFamily="49" charset="0"/>
-              </a:rPr>
-              <a:t>-template-areas: </a:t>
-            </a:r>
-          </a:p>
-          <a:p>
-            <a:r>
-              <a:rPr lang="de-CH" sz="1400" dirty="0">
-                <a:latin typeface="Courier New" panose="02070309020205020404" pitchFamily="49" charset="0"/>
-                <a:cs typeface="Courier New" panose="02070309020205020404" pitchFamily="49" charset="0"/>
-              </a:rPr>
-              <a:t>	</a:t>
-            </a:r>
-            <a:r>
-              <a:rPr lang="de-DE" sz="1400" noProof="0" dirty="0">
-                <a:latin typeface="Courier New" panose="02070309020205020404" pitchFamily="49" charset="0"/>
-                <a:cs typeface="Courier New" panose="02070309020205020404" pitchFamily="49" charset="0"/>
-              </a:rPr>
-              <a:t> "</a:t>
-            </a:r>
-            <a:r>
-              <a:rPr lang="de-CH" sz="1400" dirty="0">
-                <a:latin typeface="Courier New" panose="02070309020205020404" pitchFamily="49" charset="0"/>
-                <a:cs typeface="Courier New" panose="02070309020205020404" pitchFamily="49" charset="0"/>
-              </a:rPr>
-              <a:t>title </a:t>
-            </a:r>
-            <a:r>
-              <a:rPr lang="de-CH" sz="1400" dirty="0" err="1">
-                <a:latin typeface="Courier New" panose="02070309020205020404" pitchFamily="49" charset="0"/>
-                <a:cs typeface="Courier New" panose="02070309020205020404" pitchFamily="49" charset="0"/>
-              </a:rPr>
-              <a:t>image</a:t>
-            </a:r>
-            <a:r>
-              <a:rPr lang="de-DE" sz="1400" noProof="0" dirty="0">
-                <a:latin typeface="Courier New" panose="02070309020205020404" pitchFamily="49" charset="0"/>
-                <a:cs typeface="Courier New" panose="02070309020205020404" pitchFamily="49" charset="0"/>
-              </a:rPr>
-              <a:t>"</a:t>
-            </a:r>
-            <a:br>
-              <a:rPr lang="de-CH" sz="1400" dirty="0">
-                <a:latin typeface="Courier New" panose="02070309020205020404" pitchFamily="49" charset="0"/>
-                <a:cs typeface="Courier New" panose="02070309020205020404" pitchFamily="49" charset="0"/>
-              </a:rPr>
-            </a:br>
-            <a:r>
-              <a:rPr lang="de-CH" sz="1400" dirty="0">
-                <a:latin typeface="Courier New" panose="02070309020205020404" pitchFamily="49" charset="0"/>
-                <a:cs typeface="Courier New" panose="02070309020205020404" pitchFamily="49" charset="0"/>
-              </a:rPr>
-              <a:t>	</a:t>
-            </a:r>
-            <a:r>
-              <a:rPr lang="de-DE" sz="1400" noProof="0" dirty="0">
-                <a:latin typeface="Courier New" panose="02070309020205020404" pitchFamily="49" charset="0"/>
-                <a:cs typeface="Courier New" panose="02070309020205020404" pitchFamily="49" charset="0"/>
-              </a:rPr>
-              <a:t> "</a:t>
-            </a:r>
-            <a:r>
-              <a:rPr lang="de-CH" sz="1400" dirty="0" err="1">
-                <a:latin typeface="Courier New" panose="02070309020205020404" pitchFamily="49" charset="0"/>
-                <a:cs typeface="Courier New" panose="02070309020205020404" pitchFamily="49" charset="0"/>
-              </a:rPr>
-              <a:t>content</a:t>
-            </a:r>
-            <a:r>
-              <a:rPr lang="de-CH" sz="1400" dirty="0">
-                <a:latin typeface="Courier New" panose="02070309020205020404" pitchFamily="49" charset="0"/>
-                <a:cs typeface="Courier New" panose="02070309020205020404" pitchFamily="49" charset="0"/>
-              </a:rPr>
-              <a:t> </a:t>
-            </a:r>
-            <a:r>
-              <a:rPr lang="de-CH" sz="1400" dirty="0" err="1">
-                <a:latin typeface="Courier New" panose="02070309020205020404" pitchFamily="49" charset="0"/>
-                <a:cs typeface="Courier New" panose="02070309020205020404" pitchFamily="49" charset="0"/>
-              </a:rPr>
-              <a:t>image</a:t>
-            </a:r>
-            <a:r>
-              <a:rPr lang="de-DE" sz="1400" noProof="0" dirty="0">
-                <a:latin typeface="Courier New" panose="02070309020205020404" pitchFamily="49" charset="0"/>
-                <a:cs typeface="Courier New" panose="02070309020205020404" pitchFamily="49" charset="0"/>
-              </a:rPr>
-              <a:t>"</a:t>
+              <a:t>200px</a:t>
             </a:r>
             <a:endParaRPr lang="de-CH" sz="1400" dirty="0">
               <a:latin typeface="Courier New" panose="02070309020205020404" pitchFamily="49" charset="0"/>
@@ -6036,10 +5865,107 @@
                 <a:latin typeface="Courier New" panose="02070309020205020404" pitchFamily="49" charset="0"/>
                 <a:cs typeface="Courier New" panose="02070309020205020404" pitchFamily="49" charset="0"/>
               </a:rPr>
-              <a:t>}</a:t>
-            </a:r>
-          </a:p>
-          <a:p>
+              <a:t>   </a:t>
+            </a:r>
+            <a:r>
+              <a:rPr lang="de-CH" sz="1400" dirty="0" err="1">
+                <a:latin typeface="Courier New" panose="02070309020205020404" pitchFamily="49" charset="0"/>
+                <a:cs typeface="Courier New" panose="02070309020205020404" pitchFamily="49" charset="0"/>
+              </a:rPr>
+              <a:t>grid</a:t>
+            </a:r>
+            <a:r>
+              <a:rPr lang="de-CH" sz="1400" dirty="0">
+                <a:latin typeface="Courier New" panose="02070309020205020404" pitchFamily="49" charset="0"/>
+                <a:cs typeface="Courier New" panose="02070309020205020404" pitchFamily="49" charset="0"/>
+              </a:rPr>
+              <a:t>-template-areas: </a:t>
+            </a:r>
+          </a:p>
+          <a:p>
+            <a:r>
+              <a:rPr lang="de-CH" sz="1400" dirty="0">
+                <a:latin typeface="Courier New" panose="02070309020205020404" pitchFamily="49" charset="0"/>
+                <a:cs typeface="Courier New" panose="02070309020205020404" pitchFamily="49" charset="0"/>
+              </a:rPr>
+              <a:t>	</a:t>
+            </a:r>
+            <a:r>
+              <a:rPr lang="de-DE" sz="1400" noProof="0" dirty="0">
+                <a:latin typeface="Courier New" panose="02070309020205020404" pitchFamily="49" charset="0"/>
+                <a:cs typeface="Courier New" panose="02070309020205020404" pitchFamily="49" charset="0"/>
+              </a:rPr>
+              <a:t> "</a:t>
+            </a:r>
+            <a:r>
+              <a:rPr lang="de-CH" sz="1400" dirty="0">
+                <a:latin typeface="Courier New" panose="02070309020205020404" pitchFamily="49" charset="0"/>
+                <a:cs typeface="Courier New" panose="02070309020205020404" pitchFamily="49" charset="0"/>
+              </a:rPr>
+              <a:t>title </a:t>
+            </a:r>
+            <a:r>
+              <a:rPr lang="de-CH" sz="1400" dirty="0" err="1">
+                <a:latin typeface="Courier New" panose="02070309020205020404" pitchFamily="49" charset="0"/>
+                <a:cs typeface="Courier New" panose="02070309020205020404" pitchFamily="49" charset="0"/>
+              </a:rPr>
+              <a:t>image</a:t>
+            </a:r>
+            <a:r>
+              <a:rPr lang="de-DE" sz="1400" noProof="0" dirty="0">
+                <a:latin typeface="Courier New" panose="02070309020205020404" pitchFamily="49" charset="0"/>
+                <a:cs typeface="Courier New" panose="02070309020205020404" pitchFamily="49" charset="0"/>
+              </a:rPr>
+              <a:t>"</a:t>
+            </a:r>
+            <a:br>
+              <a:rPr lang="de-CH" sz="1400" dirty="0">
+                <a:latin typeface="Courier New" panose="02070309020205020404" pitchFamily="49" charset="0"/>
+                <a:cs typeface="Courier New" panose="02070309020205020404" pitchFamily="49" charset="0"/>
+              </a:rPr>
+            </a:br>
+            <a:r>
+              <a:rPr lang="de-CH" sz="1400" dirty="0">
+                <a:latin typeface="Courier New" panose="02070309020205020404" pitchFamily="49" charset="0"/>
+                <a:cs typeface="Courier New" panose="02070309020205020404" pitchFamily="49" charset="0"/>
+              </a:rPr>
+              <a:t>	</a:t>
+            </a:r>
+            <a:r>
+              <a:rPr lang="de-DE" sz="1400" noProof="0" dirty="0">
+                <a:latin typeface="Courier New" panose="02070309020205020404" pitchFamily="49" charset="0"/>
+                <a:cs typeface="Courier New" panose="02070309020205020404" pitchFamily="49" charset="0"/>
+              </a:rPr>
+              <a:t> "</a:t>
+            </a:r>
+            <a:r>
+              <a:rPr lang="de-CH" sz="1400" dirty="0" err="1">
+                <a:latin typeface="Courier New" panose="02070309020205020404" pitchFamily="49" charset="0"/>
+                <a:cs typeface="Courier New" panose="02070309020205020404" pitchFamily="49" charset="0"/>
+              </a:rPr>
+              <a:t>content</a:t>
+            </a:r>
+            <a:r>
+              <a:rPr lang="de-CH" sz="1400" dirty="0">
+                <a:latin typeface="Courier New" panose="02070309020205020404" pitchFamily="49" charset="0"/>
+                <a:cs typeface="Courier New" panose="02070309020205020404" pitchFamily="49" charset="0"/>
+              </a:rPr>
+              <a:t> </a:t>
+            </a:r>
+            <a:r>
+              <a:rPr lang="de-CH" sz="1400" dirty="0" err="1">
+                <a:latin typeface="Courier New" panose="02070309020205020404" pitchFamily="49" charset="0"/>
+                <a:cs typeface="Courier New" panose="02070309020205020404" pitchFamily="49" charset="0"/>
+              </a:rPr>
+              <a:t>image</a:t>
+            </a:r>
+            <a:r>
+              <a:rPr lang="de-DE" sz="1400" noProof="0" dirty="0">
+                <a:latin typeface="Courier New" panose="02070309020205020404" pitchFamily="49" charset="0"/>
+                <a:cs typeface="Courier New" panose="02070309020205020404" pitchFamily="49" charset="0"/>
+              </a:rPr>
+              <a:t>"</a:t>
+            </a:r>
             <a:endParaRPr lang="de-CH" sz="1400" dirty="0">
               <a:latin typeface="Courier New" panose="02070309020205020404" pitchFamily="49" charset="0"/>
               <a:cs typeface="Courier New" panose="02070309020205020404" pitchFamily="49" charset="0"/>
@@ -6051,6 +5977,21 @@
                 <a:latin typeface="Courier New" panose="02070309020205020404" pitchFamily="49" charset="0"/>
                 <a:cs typeface="Courier New" panose="02070309020205020404" pitchFamily="49" charset="0"/>
               </a:rPr>
+              <a:t>}</a:t>
+            </a:r>
+          </a:p>
+          <a:p>
+            <a:endParaRPr lang="de-CH" sz="1400" dirty="0">
+              <a:latin typeface="Courier New" panose="02070309020205020404" pitchFamily="49" charset="0"/>
+              <a:cs typeface="Courier New" panose="02070309020205020404" pitchFamily="49" charset="0"/>
+            </a:endParaRPr>
+          </a:p>
+          <a:p>
+            <a:r>
+              <a:rPr lang="de-CH" sz="1400" dirty="0">
+                <a:latin typeface="Courier New" panose="02070309020205020404" pitchFamily="49" charset="0"/>
+                <a:cs typeface="Courier New" panose="02070309020205020404" pitchFamily="49" charset="0"/>
+              </a:rPr>
               <a:t>.</a:t>
             </a:r>
             <a:r>
@@ -6058,7 +5999,7 @@
                 <a:latin typeface="Courier New" panose="02070309020205020404" pitchFamily="49" charset="0"/>
                 <a:cs typeface="Courier New" panose="02070309020205020404" pitchFamily="49" charset="0"/>
               </a:rPr>
-              <a:t>ïmage</a:t>
+              <a:t>image</a:t>
             </a:r>
             <a:r>
               <a:rPr lang="de-CH" sz="1400" dirty="0">
@@ -6333,42 +6274,34 @@
           </a:p>
           <a:p>
             <a:r>
-              <a:rPr lang="de-CH" dirty="0" err="1"/>
-              <a:t>grid-column</a:t>
-            </a:r>
-            <a:endParaRPr lang="de-CH" dirty="0"/>
-          </a:p>
-          <a:p>
-            <a:r>
               <a:rPr lang="de-CH" dirty="0" err="1">
                 <a:solidFill>
                   <a:schemeClr val="accent2"/>
                 </a:solidFill>
               </a:rPr>
+              <a:t>grid-column</a:t>
+            </a:r>
+            <a:endParaRPr lang="de-CH" dirty="0">
+              <a:solidFill>
+                <a:schemeClr val="accent2"/>
+              </a:solidFill>
+            </a:endParaRPr>
+          </a:p>
+          <a:p>
+            <a:r>
+              <a:rPr lang="de-CH" dirty="0" err="1"/>
               <a:t>grid</a:t>
             </a:r>
             <a:r>
-              <a:rPr lang="de-CH" dirty="0">
-                <a:solidFill>
-                  <a:schemeClr val="accent2"/>
-                </a:solidFill>
-              </a:rPr>
+              <a:rPr lang="de-CH" dirty="0"/>
               <a:t>-</a:t>
             </a:r>
             <a:r>
-              <a:rPr lang="de-CH" dirty="0" err="1">
-                <a:solidFill>
-                  <a:schemeClr val="accent2"/>
-                </a:solidFill>
-              </a:rPr>
+              <a:rPr lang="de-CH" dirty="0" err="1"/>
               <a:t>column</a:t>
             </a:r>
             <a:r>
-              <a:rPr lang="de-CH" dirty="0">
-                <a:solidFill>
-                  <a:schemeClr val="accent2"/>
-                </a:solidFill>
-              </a:rPr>
+              <a:rPr lang="de-CH" dirty="0"/>
               <a:t>-end</a:t>
             </a:r>
           </a:p>
@@ -6398,128 +6331,80 @@
           <a:lstStyle/>
           <a:p>
             <a:r>
+              <a:rPr lang="de-CH" dirty="0" err="1"/>
+              <a:t>grid</a:t>
+            </a:r>
+            <a:r>
+              <a:rPr lang="de-CH" dirty="0"/>
+              <a:t>-</a:t>
+            </a:r>
+            <a:r>
+              <a:rPr lang="de-CH" dirty="0" err="1"/>
+              <a:t>column</a:t>
+            </a:r>
+            <a:r>
+              <a:rPr lang="de-CH" dirty="0"/>
+              <a:t>-start</a:t>
+            </a:r>
+          </a:p>
+          <a:p>
+            <a:r>
               <a:rPr lang="de-CH" dirty="0" err="1">
                 <a:solidFill>
                   <a:schemeClr val="accent2"/>
                 </a:solidFill>
               </a:rPr>
+              <a:t>grid-row</a:t>
+            </a:r>
+            <a:endParaRPr lang="de-CH" dirty="0">
+              <a:solidFill>
+                <a:schemeClr val="accent2"/>
+              </a:solidFill>
+            </a:endParaRPr>
+          </a:p>
+          <a:p>
+            <a:r>
+              <a:rPr lang="de-CH" dirty="0" err="1"/>
               <a:t>grid</a:t>
             </a:r>
             <a:r>
-              <a:rPr lang="de-CH" dirty="0">
-                <a:solidFill>
-                  <a:schemeClr val="accent2"/>
-                </a:solidFill>
-              </a:rPr>
+              <a:rPr lang="de-CH" dirty="0"/>
               <a:t>-</a:t>
             </a:r>
             <a:r>
-              <a:rPr lang="de-CH" dirty="0" err="1">
-                <a:solidFill>
-                  <a:schemeClr val="accent2"/>
-                </a:solidFill>
-              </a:rPr>
-              <a:t>column</a:t>
-            </a:r>
-            <a:r>
-              <a:rPr lang="de-CH" dirty="0">
-                <a:solidFill>
-                  <a:schemeClr val="accent2"/>
-                </a:solidFill>
-              </a:rPr>
+              <a:rPr lang="de-CH" dirty="0" err="1"/>
+              <a:t>row</a:t>
+            </a:r>
+            <a:r>
+              <a:rPr lang="de-CH" dirty="0"/>
+              <a:t>-end</a:t>
+            </a:r>
+          </a:p>
+          <a:p>
+            <a:r>
+              <a:rPr lang="de-CH" dirty="0" err="1"/>
+              <a:t>grid</a:t>
+            </a:r>
+            <a:r>
+              <a:rPr lang="de-CH" dirty="0"/>
+              <a:t>-</a:t>
+            </a:r>
+            <a:r>
+              <a:rPr lang="de-CH" dirty="0" err="1"/>
+              <a:t>row</a:t>
+            </a:r>
+            <a:r>
+              <a:rPr lang="de-CH" dirty="0"/>
               <a:t>-start</a:t>
             </a:r>
           </a:p>
           <a:p>
             <a:r>
               <a:rPr lang="de-CH" dirty="0" err="1"/>
-              <a:t>grid-row</a:t>
-            </a:r>
-            <a:endParaRPr lang="de-CH" dirty="0"/>
-          </a:p>
-          <a:p>
-            <a:r>
-              <a:rPr lang="de-CH" dirty="0" err="1">
-                <a:solidFill>
-                  <a:schemeClr val="accent2"/>
-                </a:solidFill>
-              </a:rPr>
               <a:t>grid</a:t>
             </a:r>
             <a:r>
-              <a:rPr lang="de-CH" dirty="0">
-                <a:solidFill>
-                  <a:schemeClr val="accent2"/>
-                </a:solidFill>
-              </a:rPr>
-              <a:t>-</a:t>
-            </a:r>
-            <a:r>
-              <a:rPr lang="de-CH" dirty="0" err="1">
-                <a:solidFill>
-                  <a:schemeClr val="accent2"/>
-                </a:solidFill>
-              </a:rPr>
-              <a:t>row</a:t>
-            </a:r>
-            <a:r>
-              <a:rPr lang="de-CH" dirty="0">
-                <a:solidFill>
-                  <a:schemeClr val="accent2"/>
-                </a:solidFill>
-              </a:rPr>
-              <a:t>-end</a:t>
-            </a:r>
-          </a:p>
-          <a:p>
-            <a:r>
-              <a:rPr lang="de-CH" dirty="0" err="1">
-                <a:solidFill>
-                  <a:schemeClr val="accent2"/>
-                </a:solidFill>
-              </a:rPr>
-              <a:t>grid</a:t>
-            </a:r>
-            <a:r>
-              <a:rPr lang="de-CH" dirty="0">
-                <a:solidFill>
-                  <a:schemeClr val="accent2"/>
-                </a:solidFill>
-              </a:rPr>
-              <a:t>-</a:t>
-            </a:r>
-            <a:r>
-              <a:rPr lang="de-CH" dirty="0" err="1">
-                <a:solidFill>
-                  <a:schemeClr val="accent2"/>
-                </a:solidFill>
-              </a:rPr>
-              <a:t>row</a:t>
-            </a:r>
-            <a:r>
-              <a:rPr lang="de-CH" dirty="0">
-                <a:solidFill>
-                  <a:schemeClr val="accent2"/>
-                </a:solidFill>
-              </a:rPr>
-              <a:t>-start</a:t>
-            </a:r>
-          </a:p>
-          <a:p>
-            <a:r>
-              <a:rPr lang="de-CH" dirty="0" err="1">
-                <a:solidFill>
-                  <a:schemeClr val="accent2"/>
-                </a:solidFill>
-              </a:rPr>
-              <a:t>grid</a:t>
-            </a:r>
-            <a:r>
-              <a:rPr lang="de-CH" dirty="0">
-                <a:solidFill>
-                  <a:schemeClr val="accent2"/>
-                </a:solidFill>
-              </a:rPr>
+              <a:rPr lang="de-CH" dirty="0"/>
               <a:t>-template</a:t>
             </a:r>
           </a:p>
